--- a/5.Crypto/Cryptology9-Digital-CertificatesPKI.pptx
+++ b/5.Crypto/Cryptology9-Digital-CertificatesPKI.pptx
@@ -216,7 +216,7 @@
           <a:p>
             <a:fld id="{0FBB2B09-09A1-420A-863F-C88E8594038B}" type="datetimeFigureOut">
               <a:rPr lang="en-US" smtClean="0"/>
-              <a:t>4/8/2019</a:t>
+              <a:t>11/26/2020</a:t>
             </a:fld>
             <a:endParaRPr lang="en-US"/>
           </a:p>
@@ -826,7 +826,7 @@
           <a:p>
             <a:r>
               <a:rPr lang="en-US" dirty="0"/>
-              <a:t>The diagram on the left shows the Certificate path tab in the Microsoft certificate window.  The certificate is at the bottom, and is signed by the certificate just above it.  It is common for commercial CAs to have several intermediate CAs, so they form a chain.  Each certificate is signed by the CA above it, until you final reach the root CA.  The root CA should be in your OS or browser Trusted Root CA list if the cert is to be considered valid.</a:t>
+              <a:t>The diagram on the left shows the Certificate path tab in the Microsoft certificate window.  The certificate is at the bottom and is signed by the certificate just above it.  It is common for commercial CAs to have several intermediate CAs, so they form a chain.  Each certificate is signed by the CA above it, until you finally reach the root CA.  The root CA should be in your OS or browser Trusted Root CA list if the cert is to be considered valid.</a:t>
             </a:r>
           </a:p>
           <a:p>
@@ -951,7 +951,7 @@
             </a:r>
             <a:r>
               <a:rPr lang="en-US" dirty="0"/>
-              <a:t>, twitter.com, and mail.twitter.com (if there is one) are all different, and must appear exactly that way in the certificate.</a:t>
+              <a:t>, twitter.com, and mail.twitter.com (if there is one) are all different and must appear exactly that way in the certificate.</a:t>
             </a:r>
           </a:p>
           <a:p>
@@ -1326,7 +1326,7 @@
           <a:p>
             <a:r>
               <a:rPr lang="en-US" dirty="0"/>
-              <a:t>Windows comes with a built-in PKI, if the administrators choose to implement it.  They need to install a server with the Active Directory Certificate Services role.  Normally this server is used for no other purpose.  The ADCS, or Windows CA server is trusted by all computers in the Windows domain, assuming it is properly installed.  By default, all domain computers receive certificates that are used behind the scenes as they are managed by Active Directory (AD).  Administrators can use Group Policy to configure AD to automatically issue certs to user accounts, and control the purposes the certs can be used for.</a:t>
+              <a:t>Windows comes with a built-in PKI, if the administrators choose to implement it.  They need to install a server with the Active Directory Certificate Services role.  Normally this server is used for no other purpose.  The ADCS, or Windows CA server is trusted by all computers in the Windows domain, assuming it is properly installed.  By default, all domain computers receive certificates that are used behind the scenes as they are managed by Active Directory (AD).  Administrators can use Group Policy to configure AD to automatically issue certs to user accounts and control the purposes the certs can be used for.</a:t>
             </a:r>
           </a:p>
           <a:p>
@@ -1515,7 +1515,7 @@
           <a:p>
             <a:r>
               <a:rPr lang="en-US" dirty="0"/>
-              <a:t>The purpose of a digital certificate is to distribute a public key, and bind that key to the user that owns it.  In RSA and Diffie-Hellman both, we saw that if a Man in the Middle  (MITM) attacker could substitute his public key for the public keys of Alice and Bob, he could break all of their encryption.  When Alice encrypts data for Bob using Bob’s public key, it is essential that the key she uses is really Bob’s and not that of an attacker.  Therefore, we need a secure way to distribute public keys.</a:t>
+              <a:t>The purpose of a digital certificate is to distribute a public key and bind that key to the user that owns it.  In RSA and Diffie-Hellman both, we saw that if a Man in the Middle  (MITM) attacker could substitute his public key for the public keys of Alice and Bob, he could break all of their encryption.  When Alice encrypts data for Bob using Bob’s public key, it is essential that the key she uses is really Bob’s and not that of an attacker.  Therefore, we need a secure way to distribute public keys.</a:t>
             </a:r>
           </a:p>
           <a:p>
@@ -1620,15 +1620,7 @@
           <a:p>
             <a:r>
               <a:rPr lang="en-US" dirty="0"/>
-              <a:t>The simplest method is out-of-band.  Alice and Bob meet in person and give each other their private keys on flash drives, on paper, or by whispering the keys to </a:t>
-            </a:r>
-            <a:r>
-              <a:rPr lang="en-US"/>
-              <a:t>each other.  </a:t>
-            </a:r>
-            <a:r>
-              <a:rPr lang="en-US" dirty="0"/>
-              <a:t>The problem is that this method does not scale well beyond a few people.  If thousands or millions of people need to exchange public keys, this will break down.</a:t>
+              <a:t>The simplest method is out-of-band.  Alice and Bob meet in person and give each other their private keys on flash drives, on paper, or by whispering the keys to each other.  The problem is that this method does not scale well beyond a few people.  If thousands or millions of people need to exchange public keys, this will break down.</a:t>
             </a:r>
           </a:p>
           <a:p>
@@ -1646,7 +1638,7 @@
           <a:p>
             <a:r>
               <a:rPr lang="en-US" dirty="0"/>
-              <a:t>Another way is to sign your own certificate.  This will allow you do use certificate based protocols like TLS and SSH, but it totally skips the step “verifies their identity.”  If you are communicating with someone who uses a self signed certificate (say on their HTTPS web site), the burden of verifying their identity falls upon you.  Self signed certificates are very common in lab environments where you are testing things like HTTPS servers.</a:t>
+              <a:t>Another way is to sign your own certificate.  This will allow you do use certificate-based protocols like TLS and SSH, but it totally skips the step “verifies their identity.”  If you are communicating with someone who uses a self signed certificate (say on their HTTPS web site), the burden of verifying their identity falls upon you.  Self signed certificates are very common in lab environments where you are testing things like HTTPS servers.</a:t>
             </a:r>
           </a:p>
         </p:txBody>
@@ -1733,7 +1725,7 @@
           <a:p>
             <a:r>
               <a:rPr lang="en-US" dirty="0"/>
-              <a:t>A large organization can maintain their own CA, and use it for all communications with and between its members.  Virginia Tech does this.  Students, faculty, and staff are all issued digital certificates which they use when accessing </a:t>
+              <a:t>A large organization can maintain their own CA and use it for all communications with and between its members.  Virginia Tech does this.  Students, faculty, and staff are all issued digital certificates which they use when accessing </a:t>
             </a:r>
             <a:r>
               <a:rPr lang="en-US" dirty="0" err="1"/>
@@ -1759,7 +1751,7 @@
           <a:p>
             <a:r>
               <a:rPr lang="en-US" dirty="0"/>
-              <a:t>It takes effort to create and maintain a CA and associated systems.  Someone has to enter users in the system, and remove them when they are no longer associated with the organization.  You have to run periodic audits to make sure accounts are only for current members.  You have to configure the resources (web sites, shared drives, whatever) to accept the certificates.</a:t>
+              <a:t>It takes effort to create and maintain a CA and associated systems.  Someone has to enter users in the system and remove them when they are no longer associated with the organization.  You have to run periodic audits to make sure accounts are only for current members.  You have to configure the resources (web sites, shared drives, whatever) to accept the certificates.</a:t>
             </a:r>
           </a:p>
         </p:txBody>
@@ -1859,7 +1851,7 @@
             </a:r>
             <a:r>
               <a:rPr lang="en-US" dirty="0" err="1"/>
-              <a:t>browers</a:t>
+              <a:t>broswers</a:t>
             </a:r>
             <a:r>
               <a:rPr lang="en-US" dirty="0"/>
@@ -2566,7 +2558,7 @@
           <a:p>
             <a:fld id="{1451AC46-F7BF-44D3-9ECB-7DDAC9A69083}" type="datetimeFigureOut">
               <a:rPr lang="en-US" smtClean="0"/>
-              <a:t>4/8/2019</a:t>
+              <a:t>11/26/2020</a:t>
             </a:fld>
             <a:endParaRPr lang="en-US"/>
           </a:p>
@@ -2764,7 +2756,7 @@
           <a:p>
             <a:fld id="{1451AC46-F7BF-44D3-9ECB-7DDAC9A69083}" type="datetimeFigureOut">
               <a:rPr lang="en-US" smtClean="0"/>
-              <a:t>4/8/2019</a:t>
+              <a:t>11/26/2020</a:t>
             </a:fld>
             <a:endParaRPr lang="en-US"/>
           </a:p>
@@ -2972,7 +2964,7 @@
           <a:p>
             <a:fld id="{1451AC46-F7BF-44D3-9ECB-7DDAC9A69083}" type="datetimeFigureOut">
               <a:rPr lang="en-US" smtClean="0"/>
-              <a:t>4/8/2019</a:t>
+              <a:t>11/26/2020</a:t>
             </a:fld>
             <a:endParaRPr lang="en-US"/>
           </a:p>
@@ -3170,7 +3162,7 @@
           <a:p>
             <a:fld id="{1451AC46-F7BF-44D3-9ECB-7DDAC9A69083}" type="datetimeFigureOut">
               <a:rPr lang="en-US" smtClean="0"/>
-              <a:t>4/8/2019</a:t>
+              <a:t>11/26/2020</a:t>
             </a:fld>
             <a:endParaRPr lang="en-US"/>
           </a:p>
@@ -3445,7 +3437,7 @@
           <a:p>
             <a:fld id="{1451AC46-F7BF-44D3-9ECB-7DDAC9A69083}" type="datetimeFigureOut">
               <a:rPr lang="en-US" smtClean="0"/>
-              <a:t>4/8/2019</a:t>
+              <a:t>11/26/2020</a:t>
             </a:fld>
             <a:endParaRPr lang="en-US"/>
           </a:p>
@@ -3710,7 +3702,7 @@
           <a:p>
             <a:fld id="{1451AC46-F7BF-44D3-9ECB-7DDAC9A69083}" type="datetimeFigureOut">
               <a:rPr lang="en-US" smtClean="0"/>
-              <a:t>4/8/2019</a:t>
+              <a:t>11/26/2020</a:t>
             </a:fld>
             <a:endParaRPr lang="en-US"/>
           </a:p>
@@ -4122,7 +4114,7 @@
           <a:p>
             <a:fld id="{1451AC46-F7BF-44D3-9ECB-7DDAC9A69083}" type="datetimeFigureOut">
               <a:rPr lang="en-US" smtClean="0"/>
-              <a:t>4/8/2019</a:t>
+              <a:t>11/26/2020</a:t>
             </a:fld>
             <a:endParaRPr lang="en-US"/>
           </a:p>
@@ -4263,7 +4255,7 @@
           <a:p>
             <a:fld id="{1451AC46-F7BF-44D3-9ECB-7DDAC9A69083}" type="datetimeFigureOut">
               <a:rPr lang="en-US" smtClean="0"/>
-              <a:t>4/8/2019</a:t>
+              <a:t>11/26/2020</a:t>
             </a:fld>
             <a:endParaRPr lang="en-US"/>
           </a:p>
@@ -4376,7 +4368,7 @@
           <a:p>
             <a:fld id="{1451AC46-F7BF-44D3-9ECB-7DDAC9A69083}" type="datetimeFigureOut">
               <a:rPr lang="en-US" smtClean="0"/>
-              <a:t>4/8/2019</a:t>
+              <a:t>11/26/2020</a:t>
             </a:fld>
             <a:endParaRPr lang="en-US"/>
           </a:p>
@@ -4687,7 +4679,7 @@
           <a:p>
             <a:fld id="{1451AC46-F7BF-44D3-9ECB-7DDAC9A69083}" type="datetimeFigureOut">
               <a:rPr lang="en-US" smtClean="0"/>
-              <a:t>4/8/2019</a:t>
+              <a:t>11/26/2020</a:t>
             </a:fld>
             <a:endParaRPr lang="en-US"/>
           </a:p>
@@ -4975,7 +4967,7 @@
           <a:p>
             <a:fld id="{1451AC46-F7BF-44D3-9ECB-7DDAC9A69083}" type="datetimeFigureOut">
               <a:rPr lang="en-US" smtClean="0"/>
-              <a:t>4/8/2019</a:t>
+              <a:t>11/26/2020</a:t>
             </a:fld>
             <a:endParaRPr lang="en-US"/>
           </a:p>
@@ -5216,7 +5208,7 @@
           <a:p>
             <a:fld id="{1451AC46-F7BF-44D3-9ECB-7DDAC9A69083}" type="datetimeFigureOut">
               <a:rPr lang="en-US" smtClean="0"/>
-              <a:t>4/8/2019</a:t>
+              <a:t>11/26/2020</a:t>
             </a:fld>
             <a:endParaRPr lang="en-US"/>
           </a:p>
